--- a/materials/PPT slides/05 Exploratory analysis of Big Data and Cloud - Big Data.pptx
+++ b/materials/PPT slides/05 Exploratory analysis of Big Data and Cloud - Big Data.pptx
@@ -29,7 +29,18 @@
     <p:sldId id="266" r:id="rId22"/>
     <p:sldId id="285" r:id="rId23"/>
     <p:sldId id="297" r:id="rId24"/>
-    <p:sldId id="264" r:id="rId25"/>
+    <p:sldId id="299" r:id="rId25"/>
+    <p:sldId id="300" r:id="rId26"/>
+    <p:sldId id="301" r:id="rId27"/>
+    <p:sldId id="302" r:id="rId28"/>
+    <p:sldId id="303" r:id="rId29"/>
+    <p:sldId id="304" r:id="rId30"/>
+    <p:sldId id="305" r:id="rId31"/>
+    <p:sldId id="306" r:id="rId32"/>
+    <p:sldId id="307" r:id="rId33"/>
+    <p:sldId id="308" r:id="rId34"/>
+    <p:sldId id="309" r:id="rId35"/>
+    <p:sldId id="314" r:id="rId36"/>
   </p:sldIdLst>
   <p:sldSz cx="12192000" cy="6858000"/>
   <p:notesSz cx="6858000" cy="9144000"/>
@@ -7648,6 +7659,2259 @@
           <a:bodyPr/>
           <a:p>
             <a:r>
+              <a:rPr lang="en-US" altLang="en-GB">
+                <a:sym typeface="+mn-ea"/>
+              </a:rPr>
+              <a:t>Data Management</a:t>
+            </a:r>
+            <a:endParaRPr lang="en-GB" altLang="en-US"/>
+          </a:p>
+        </p:txBody>
+      </p:sp>
+      <p:sp>
+        <p:nvSpPr>
+          <p:cNvPr id="3" name="Content Placeholder 2"/>
+          <p:cNvSpPr>
+            <a:spLocks noGrp="1"/>
+          </p:cNvSpPr>
+          <p:nvPr>
+            <p:ph idx="1"/>
+          </p:nvPr>
+        </p:nvSpPr>
+        <p:spPr/>
+        <p:txBody>
+          <a:bodyPr>
+            <a:normAutofit fontScale="80000"/>
+          </a:bodyPr>
+          <a:p>
+            <a:r>
+              <a:rPr lang="en-US" altLang="en-GB"/>
+              <a:t>Data Management is the overarching process of collecting, storing, organizing, securing, and maintaining data to ensure its accuracy, accessibility, and reliability.</a:t>
+            </a:r>
+            <a:endParaRPr lang="en-US" altLang="en-GB"/>
+          </a:p>
+          <a:p>
+            <a:r>
+              <a:rPr lang="en-US" altLang="en-GB"/>
+              <a:t>Key Components:</a:t>
+            </a:r>
+            <a:endParaRPr lang="en-US" altLang="en-GB"/>
+          </a:p>
+          <a:p>
+            <a:pPr lvl="1"/>
+            <a:r>
+              <a:rPr lang="en-US" altLang="en-GB"/>
+              <a:t>Data Governance (policies and compliance)</a:t>
+            </a:r>
+            <a:endParaRPr lang="en-US" altLang="en-GB"/>
+          </a:p>
+          <a:p>
+            <a:pPr lvl="1"/>
+            <a:r>
+              <a:rPr lang="en-US" altLang="en-GB"/>
+              <a:t>Data Quality Management</a:t>
+            </a:r>
+            <a:endParaRPr lang="en-US" altLang="en-GB"/>
+          </a:p>
+          <a:p>
+            <a:pPr lvl="1"/>
+            <a:r>
+              <a:rPr lang="en-US" altLang="en-GB"/>
+              <a:t>Data Security and Privacy</a:t>
+            </a:r>
+            <a:endParaRPr lang="en-US" altLang="en-GB"/>
+          </a:p>
+          <a:p>
+            <a:pPr lvl="1"/>
+            <a:r>
+              <a:rPr lang="en-US" altLang="en-GB"/>
+              <a:t>Master Data Management (MDM)</a:t>
+            </a:r>
+            <a:endParaRPr lang="en-US" altLang="en-GB"/>
+          </a:p>
+          <a:p>
+            <a:pPr lvl="1"/>
+            <a:r>
+              <a:rPr lang="en-US" altLang="en-GB"/>
+              <a:t>Data Lifecycle Management</a:t>
+            </a:r>
+            <a:endParaRPr lang="en-US" altLang="en-GB"/>
+          </a:p>
+          <a:p>
+            <a:r>
+              <a:rPr lang="en-US" altLang="en-GB"/>
+              <a:t>Purpose:</a:t>
+            </a:r>
+            <a:r>
+              <a:rPr lang="ar-EG" altLang="en-US"/>
+              <a:t> </a:t>
+            </a:r>
+            <a:r>
+              <a:rPr lang="en-US" altLang="en-GB"/>
+              <a:t>To ensure data is accurate, secure, and available for analysis and decision-making.</a:t>
+            </a:r>
+            <a:endParaRPr lang="en-US" altLang="en-GB"/>
+          </a:p>
+          <a:p>
+            <a:r>
+              <a:rPr lang="en-US" altLang="en-GB"/>
+              <a:t>Example:</a:t>
+            </a:r>
+            <a:r>
+              <a:rPr lang="ar-EG" altLang="en-US"/>
+              <a:t> </a:t>
+            </a:r>
+            <a:r>
+              <a:rPr lang="en-US" altLang="en-GB"/>
+              <a:t>A hospital’s data management system handles patient records, ensuring compliance with data privacy regulations (like GDPR or HIPAA).</a:t>
+            </a:r>
+            <a:endParaRPr lang="en-US" altLang="en-GB"/>
+          </a:p>
+          <a:p>
+            <a:endParaRPr lang="en-US" altLang="en-GB"/>
+          </a:p>
+          <a:p>
+            <a:endParaRPr lang="en-US" altLang="en-GB"/>
+          </a:p>
+        </p:txBody>
+      </p:sp>
+    </p:spTree>
+  </p:cSld>
+  <p:clrMapOvr>
+    <a:masterClrMapping/>
+  </p:clrMapOvr>
+</p:sld>
+</file>
+
+<file path=ppt/slides/slide23.xml><?xml version="1.0" encoding="utf-8"?>
+<p:sld xmlns:a="http://schemas.openxmlformats.org/drawingml/2006/main" xmlns:r="http://schemas.openxmlformats.org/officeDocument/2006/relationships" xmlns:p="http://schemas.openxmlformats.org/presentationml/2006/main">
+  <p:cSld>
+    <p:spTree>
+      <p:nvGrpSpPr>
+        <p:cNvPr id="1" name=""/>
+        <p:cNvGrpSpPr/>
+        <p:nvPr/>
+      </p:nvGrpSpPr>
+      <p:grpSpPr/>
+      <p:sp>
+        <p:nvSpPr>
+          <p:cNvPr id="2" name="Title 1"/>
+          <p:cNvSpPr>
+            <a:spLocks noGrp="1"/>
+          </p:cNvSpPr>
+          <p:nvPr>
+            <p:ph type="title"/>
+          </p:nvPr>
+        </p:nvSpPr>
+        <p:spPr/>
+        <p:txBody>
+          <a:bodyPr>
+            <a:normAutofit/>
+          </a:bodyPr>
+          <a:p>
+            <a:r>
+              <a:rPr lang="en-US" altLang="en-GB"/>
+              <a:t>Key Components of Data Management</a:t>
+            </a:r>
+            <a:endParaRPr lang="en-US" altLang="en-GB"/>
+          </a:p>
+        </p:txBody>
+      </p:sp>
+      <p:sp>
+        <p:nvSpPr>
+          <p:cNvPr id="3" name="Content Placeholder 2"/>
+          <p:cNvSpPr>
+            <a:spLocks noGrp="1"/>
+          </p:cNvSpPr>
+          <p:nvPr>
+            <p:ph idx="1"/>
+          </p:nvPr>
+        </p:nvSpPr>
+        <p:spPr/>
+        <p:txBody>
+          <a:bodyPr>
+            <a:normAutofit lnSpcReduction="20000"/>
+          </a:bodyPr>
+          <a:p>
+            <a:r>
+              <a:rPr lang="en-US" altLang="en-GB"/>
+              <a:t>Data Collection</a:t>
+            </a:r>
+            <a:endParaRPr lang="en-US" altLang="en-GB"/>
+          </a:p>
+          <a:p>
+            <a:r>
+              <a:rPr lang="en-US" altLang="en-GB"/>
+              <a:t>Data Storage</a:t>
+            </a:r>
+            <a:endParaRPr lang="en-US" altLang="en-GB"/>
+          </a:p>
+          <a:p>
+            <a:r>
+              <a:rPr lang="en-US" altLang="en-GB"/>
+              <a:t>Data Integration</a:t>
+            </a:r>
+            <a:endParaRPr lang="en-US" altLang="en-GB"/>
+          </a:p>
+          <a:p>
+            <a:r>
+              <a:rPr lang="en-US" altLang="en-GB"/>
+              <a:t>Data Processing</a:t>
+            </a:r>
+            <a:endParaRPr lang="en-US" altLang="en-GB"/>
+          </a:p>
+          <a:p>
+            <a:r>
+              <a:rPr lang="en-US" altLang="en-GB"/>
+              <a:t>Data Governance</a:t>
+            </a:r>
+            <a:endParaRPr lang="en-US" altLang="en-GB"/>
+          </a:p>
+          <a:p>
+            <a:r>
+              <a:rPr lang="en-US" altLang="en-GB"/>
+              <a:t>Data Security</a:t>
+            </a:r>
+            <a:endParaRPr lang="en-US" altLang="en-GB"/>
+          </a:p>
+          <a:p>
+            <a:r>
+              <a:rPr lang="en-US" altLang="en-GB"/>
+              <a:t>Data Quality Management</a:t>
+            </a:r>
+            <a:endParaRPr lang="en-US" altLang="en-GB"/>
+          </a:p>
+          <a:p>
+            <a:r>
+              <a:rPr lang="en-US" altLang="en-GB"/>
+              <a:t>Data Analytics &amp; Visualization</a:t>
+            </a:r>
+            <a:endParaRPr lang="en-US" altLang="en-GB"/>
+          </a:p>
+          <a:p>
+            <a:r>
+              <a:rPr lang="en-US" altLang="en-GB"/>
+              <a:t>Master Data Management (MDM)</a:t>
+            </a:r>
+            <a:endParaRPr lang="en-US" altLang="en-GB"/>
+          </a:p>
+          <a:p>
+            <a:r>
+              <a:rPr lang="en-US" altLang="en-GB"/>
+              <a:t>Data Lifecycle Management</a:t>
+            </a:r>
+            <a:endParaRPr lang="en-US" altLang="en-GB"/>
+          </a:p>
+          <a:p>
+            <a:endParaRPr lang="en-US" altLang="en-GB"/>
+          </a:p>
+          <a:p>
+            <a:endParaRPr lang="en-US" altLang="en-GB"/>
+          </a:p>
+          <a:p>
+            <a:endParaRPr lang="en-US" altLang="en-GB"/>
+          </a:p>
+          <a:p>
+            <a:endParaRPr lang="en-US" altLang="en-GB"/>
+          </a:p>
+          <a:p>
+            <a:endParaRPr lang="en-US" altLang="en-GB"/>
+          </a:p>
+          <a:p>
+            <a:endParaRPr lang="en-US" altLang="en-GB"/>
+          </a:p>
+          <a:p>
+            <a:endParaRPr lang="en-US" altLang="en-GB"/>
+          </a:p>
+          <a:p>
+            <a:endParaRPr lang="en-US" altLang="en-GB"/>
+          </a:p>
+          <a:p>
+            <a:endParaRPr lang="en-US" altLang="en-GB"/>
+          </a:p>
+        </p:txBody>
+      </p:sp>
+    </p:spTree>
+  </p:cSld>
+  <p:clrMapOvr>
+    <a:masterClrMapping/>
+  </p:clrMapOvr>
+</p:sld>
+</file>
+
+<file path=ppt/slides/slide24.xml><?xml version="1.0" encoding="utf-8"?>
+<p:sld xmlns:a="http://schemas.openxmlformats.org/drawingml/2006/main" xmlns:r="http://schemas.openxmlformats.org/officeDocument/2006/relationships" xmlns:p="http://schemas.openxmlformats.org/presentationml/2006/main">
+  <p:cSld>
+    <p:spTree>
+      <p:nvGrpSpPr>
+        <p:cNvPr id="1" name=""/>
+        <p:cNvGrpSpPr/>
+        <p:nvPr/>
+      </p:nvGrpSpPr>
+      <p:grpSpPr/>
+      <p:sp>
+        <p:nvSpPr>
+          <p:cNvPr id="2" name="Title 1"/>
+          <p:cNvSpPr>
+            <a:spLocks noGrp="1"/>
+          </p:cNvSpPr>
+          <p:nvPr>
+            <p:ph type="title"/>
+          </p:nvPr>
+        </p:nvSpPr>
+        <p:spPr/>
+        <p:txBody>
+          <a:bodyPr/>
+          <a:p>
+            <a:r>
+              <a:rPr lang="en-US" altLang="en-GB">
+                <a:sym typeface="+mn-ea"/>
+              </a:rPr>
+              <a:t>Key Components of Data Management</a:t>
+            </a:r>
+            <a:endParaRPr lang="en-GB" altLang="en-US"/>
+          </a:p>
+        </p:txBody>
+      </p:sp>
+      <p:sp>
+        <p:nvSpPr>
+          <p:cNvPr id="3" name="Content Placeholder 2"/>
+          <p:cNvSpPr>
+            <a:spLocks noGrp="1"/>
+          </p:cNvSpPr>
+          <p:nvPr>
+            <p:ph idx="1"/>
+          </p:nvPr>
+        </p:nvSpPr>
+        <p:spPr/>
+        <p:txBody>
+          <a:bodyPr>
+            <a:normAutofit fontScale="90000"/>
+          </a:bodyPr>
+          <a:p>
+            <a:r>
+              <a:rPr lang="en-US" altLang="en-GB"/>
+              <a:t>Data Collection</a:t>
+            </a:r>
+            <a:endParaRPr lang="en-US" altLang="en-GB"/>
+          </a:p>
+          <a:p>
+            <a:pPr lvl="1"/>
+            <a:r>
+              <a:rPr lang="en-US" altLang="en-GB"/>
+              <a:t>Gathering data from various sources, such as IoT devices, databases, APIs, and user inputs.</a:t>
+            </a:r>
+            <a:endParaRPr lang="en-US" altLang="en-GB"/>
+          </a:p>
+          <a:p>
+            <a:pPr lvl="1"/>
+            <a:r>
+              <a:rPr lang="en-US" altLang="en-GB"/>
+              <a:t>Example: Sensors in smart cities collect traffic, weather, and pollution data.</a:t>
+            </a:r>
+            <a:endParaRPr lang="en-US" altLang="en-GB"/>
+          </a:p>
+          <a:p>
+            <a:r>
+              <a:rPr lang="en-US" altLang="en-GB"/>
+              <a:t>Data Storage</a:t>
+            </a:r>
+            <a:endParaRPr lang="en-US" altLang="en-GB"/>
+          </a:p>
+          <a:p>
+            <a:pPr lvl="1"/>
+            <a:r>
+              <a:rPr lang="en-US" altLang="en-GB"/>
+              <a:t>Storing data in databases, data warehouses, data lakes, or cloud environments.</a:t>
+            </a:r>
+            <a:endParaRPr lang="en-US" altLang="en-GB"/>
+          </a:p>
+          <a:p>
+            <a:pPr lvl="1"/>
+            <a:r>
+              <a:rPr lang="en-US" altLang="en-GB"/>
+              <a:t>Technologies: SQL/NoSQL databases, Amazon S3, Hadoop, etc.</a:t>
+            </a:r>
+            <a:endParaRPr lang="en-US" altLang="en-GB"/>
+          </a:p>
+          <a:p>
+            <a:r>
+              <a:rPr lang="en-US" altLang="en-GB"/>
+              <a:t>Data Integration</a:t>
+            </a:r>
+            <a:endParaRPr lang="en-US" altLang="en-GB"/>
+          </a:p>
+          <a:p>
+            <a:pPr lvl="1"/>
+            <a:r>
+              <a:rPr lang="en-US" altLang="en-GB"/>
+              <a:t>Combining data from multiple sources to provide a unified view.</a:t>
+            </a:r>
+            <a:endParaRPr lang="en-US" altLang="en-GB"/>
+          </a:p>
+          <a:p>
+            <a:pPr lvl="1"/>
+            <a:r>
+              <a:rPr lang="en-US" altLang="en-GB"/>
+              <a:t>Tools: ETL (Extract, Transform, Load) processes, APIs, data pipelines.</a:t>
+            </a:r>
+            <a:endParaRPr lang="en-US" altLang="en-GB"/>
+          </a:p>
+        </p:txBody>
+      </p:sp>
+    </p:spTree>
+  </p:cSld>
+  <p:clrMapOvr>
+    <a:masterClrMapping/>
+  </p:clrMapOvr>
+</p:sld>
+</file>
+
+<file path=ppt/slides/slide25.xml><?xml version="1.0" encoding="utf-8"?>
+<p:sld xmlns:a="http://schemas.openxmlformats.org/drawingml/2006/main" xmlns:r="http://schemas.openxmlformats.org/officeDocument/2006/relationships" xmlns:p="http://schemas.openxmlformats.org/presentationml/2006/main">
+  <p:cSld>
+    <p:spTree>
+      <p:nvGrpSpPr>
+        <p:cNvPr id="1" name=""/>
+        <p:cNvGrpSpPr/>
+        <p:nvPr/>
+      </p:nvGrpSpPr>
+      <p:grpSpPr/>
+      <p:sp>
+        <p:nvSpPr>
+          <p:cNvPr id="2" name="Title 1"/>
+          <p:cNvSpPr>
+            <a:spLocks noGrp="1"/>
+          </p:cNvSpPr>
+          <p:nvPr>
+            <p:ph type="title"/>
+          </p:nvPr>
+        </p:nvSpPr>
+        <p:spPr/>
+        <p:txBody>
+          <a:bodyPr/>
+          <a:p>
+            <a:r>
+              <a:rPr lang="en-US" altLang="en-GB">
+                <a:sym typeface="+mn-ea"/>
+              </a:rPr>
+              <a:t>Key Components of Data Management</a:t>
+            </a:r>
+            <a:endParaRPr lang="en-GB" altLang="en-US"/>
+          </a:p>
+        </p:txBody>
+      </p:sp>
+      <p:sp>
+        <p:nvSpPr>
+          <p:cNvPr id="3" name="Content Placeholder 2"/>
+          <p:cNvSpPr>
+            <a:spLocks noGrp="1"/>
+          </p:cNvSpPr>
+          <p:nvPr>
+            <p:ph idx="1"/>
+          </p:nvPr>
+        </p:nvSpPr>
+        <p:spPr/>
+        <p:txBody>
+          <a:bodyPr/>
+          <a:p>
+            <a:r>
+              <a:rPr lang="en-US" altLang="en-GB" sz="2400"/>
+              <a:t>Data Processing</a:t>
+            </a:r>
+            <a:endParaRPr lang="en-US" altLang="en-GB" sz="2400"/>
+          </a:p>
+          <a:p>
+            <a:pPr lvl="1"/>
+            <a:r>
+              <a:rPr lang="en-US" altLang="en-GB" sz="2000"/>
+              <a:t>Transforming raw data into meaningful information through cleaning, filtering, and aggregating.</a:t>
+            </a:r>
+            <a:endParaRPr lang="en-US" altLang="en-GB" sz="2000"/>
+          </a:p>
+          <a:p>
+            <a:pPr lvl="1"/>
+            <a:r>
+              <a:rPr lang="en-US" altLang="en-GB" sz="2000"/>
+              <a:t>Example: Normalizing financial data for cross-departmental reporting.</a:t>
+            </a:r>
+            <a:endParaRPr lang="en-US" altLang="en-GB" sz="2000"/>
+          </a:p>
+          <a:p>
+            <a:r>
+              <a:rPr lang="en-US" altLang="en-GB" sz="2400"/>
+              <a:t>Data Governance</a:t>
+            </a:r>
+            <a:endParaRPr lang="en-US" altLang="en-GB" sz="2400"/>
+          </a:p>
+          <a:p>
+            <a:pPr lvl="1"/>
+            <a:r>
+              <a:rPr lang="en-US" altLang="en-GB" sz="2000"/>
+              <a:t>Defining policies, standards, and procedures to ensure data quality, privacy, and compliance.</a:t>
+            </a:r>
+            <a:endParaRPr lang="en-US" altLang="en-GB" sz="2000"/>
+          </a:p>
+          <a:p>
+            <a:pPr lvl="1"/>
+            <a:r>
+              <a:rPr lang="en-US" altLang="en-GB" sz="2000"/>
+              <a:t>Key Aspects: Data stewardship, metadata management, and regulatory compliance (e.g., GDPR).</a:t>
+            </a:r>
+            <a:endParaRPr lang="en-US" altLang="en-GB" sz="2000"/>
+          </a:p>
+          <a:p>
+            <a:r>
+              <a:rPr lang="en-US" altLang="en-GB" sz="2400"/>
+              <a:t>Data Security</a:t>
+            </a:r>
+            <a:endParaRPr lang="en-US" altLang="en-GB" sz="2400"/>
+          </a:p>
+          <a:p>
+            <a:pPr lvl="1"/>
+            <a:r>
+              <a:rPr lang="en-US" altLang="en-GB" sz="2000"/>
+              <a:t>Protecting data from unauthorized access, breaches, and loss.</a:t>
+            </a:r>
+            <a:endParaRPr lang="en-US" altLang="en-GB" sz="2000"/>
+          </a:p>
+          <a:p>
+            <a:pPr lvl="1"/>
+            <a:r>
+              <a:rPr lang="en-US" altLang="en-GB" sz="2000"/>
+              <a:t>Techniques: Encryption, access controls, backup strategies.</a:t>
+            </a:r>
+            <a:endParaRPr lang="en-US" altLang="en-GB" sz="2000"/>
+          </a:p>
+        </p:txBody>
+      </p:sp>
+    </p:spTree>
+  </p:cSld>
+  <p:clrMapOvr>
+    <a:masterClrMapping/>
+  </p:clrMapOvr>
+</p:sld>
+</file>
+
+<file path=ppt/slides/slide26.xml><?xml version="1.0" encoding="utf-8"?>
+<p:sld xmlns:a="http://schemas.openxmlformats.org/drawingml/2006/main" xmlns:r="http://schemas.openxmlformats.org/officeDocument/2006/relationships" xmlns:p="http://schemas.openxmlformats.org/presentationml/2006/main">
+  <p:cSld>
+    <p:spTree>
+      <p:nvGrpSpPr>
+        <p:cNvPr id="1" name=""/>
+        <p:cNvGrpSpPr/>
+        <p:nvPr/>
+      </p:nvGrpSpPr>
+      <p:grpSpPr/>
+      <p:sp>
+        <p:nvSpPr>
+          <p:cNvPr id="2" name="Title 1"/>
+          <p:cNvSpPr>
+            <a:spLocks noGrp="1"/>
+          </p:cNvSpPr>
+          <p:nvPr>
+            <p:ph type="title"/>
+          </p:nvPr>
+        </p:nvSpPr>
+        <p:spPr/>
+        <p:txBody>
+          <a:bodyPr/>
+          <a:p>
+            <a:r>
+              <a:rPr lang="en-US" altLang="en-GB">
+                <a:sym typeface="+mn-ea"/>
+              </a:rPr>
+              <a:t>Key Components of Data Management</a:t>
+            </a:r>
+            <a:endParaRPr lang="en-GB" altLang="en-US"/>
+          </a:p>
+        </p:txBody>
+      </p:sp>
+      <p:sp>
+        <p:nvSpPr>
+          <p:cNvPr id="3" name="Content Placeholder 2"/>
+          <p:cNvSpPr>
+            <a:spLocks noGrp="1"/>
+          </p:cNvSpPr>
+          <p:nvPr>
+            <p:ph idx="1"/>
+          </p:nvPr>
+        </p:nvSpPr>
+        <p:spPr/>
+        <p:txBody>
+          <a:bodyPr>
+            <a:normAutofit fontScale="80000"/>
+          </a:bodyPr>
+          <a:p>
+            <a:r>
+              <a:rPr lang="en-US" altLang="en-GB"/>
+              <a:t>Data Quality Management</a:t>
+            </a:r>
+            <a:endParaRPr lang="en-US" altLang="en-GB"/>
+          </a:p>
+          <a:p>
+            <a:pPr lvl="1"/>
+            <a:r>
+              <a:rPr lang="en-US" altLang="en-GB"/>
+              <a:t>Ensuring data is accurate, consistent, complete, and timely.</a:t>
+            </a:r>
+            <a:endParaRPr lang="en-US" altLang="en-GB"/>
+          </a:p>
+          <a:p>
+            <a:pPr lvl="1"/>
+            <a:r>
+              <a:rPr lang="en-US" altLang="en-GB"/>
+              <a:t>Example: Removing duplicate customer records in a CRM system.</a:t>
+            </a:r>
+            <a:endParaRPr lang="en-US" altLang="en-GB"/>
+          </a:p>
+          <a:p>
+            <a:r>
+              <a:rPr lang="en-US" altLang="en-GB"/>
+              <a:t>Data Analytics &amp; Visualization</a:t>
+            </a:r>
+            <a:endParaRPr lang="en-US" altLang="en-GB"/>
+          </a:p>
+          <a:p>
+            <a:pPr lvl="1"/>
+            <a:r>
+              <a:rPr lang="en-US" altLang="en-GB"/>
+              <a:t>Analyzing data to extract insights and support decision-making.</a:t>
+            </a:r>
+            <a:endParaRPr lang="en-US" altLang="en-GB"/>
+          </a:p>
+          <a:p>
+            <a:pPr lvl="1"/>
+            <a:r>
+              <a:rPr lang="en-US" altLang="en-GB"/>
+              <a:t>Tools: Power BI, Tableau, Python (Pandas, Matplotlib), R.</a:t>
+            </a:r>
+            <a:endParaRPr lang="en-US" altLang="en-GB"/>
+          </a:p>
+          <a:p>
+            <a:r>
+              <a:rPr lang="en-US" altLang="en-GB"/>
+              <a:t>Master Data Management (MDM)</a:t>
+            </a:r>
+            <a:endParaRPr lang="en-US" altLang="en-GB"/>
+          </a:p>
+          <a:p>
+            <a:pPr lvl="1"/>
+            <a:r>
+              <a:rPr lang="en-US" altLang="en-GB"/>
+              <a:t>Creating a single, consistent view of critical business data, such as customer or product information.</a:t>
+            </a:r>
+            <a:endParaRPr lang="en-US" altLang="en-GB"/>
+          </a:p>
+          <a:p>
+            <a:r>
+              <a:rPr lang="en-US" altLang="en-GB"/>
+              <a:t>Data Lifecycle Management</a:t>
+            </a:r>
+            <a:endParaRPr lang="en-US" altLang="en-GB"/>
+          </a:p>
+          <a:p>
+            <a:pPr lvl="1"/>
+            <a:r>
+              <a:rPr lang="en-US" altLang="en-GB"/>
+              <a:t>Managing data from creation and storage to archival and deletion.</a:t>
+            </a:r>
+            <a:endParaRPr lang="en-US" altLang="en-GB"/>
+          </a:p>
+        </p:txBody>
+      </p:sp>
+    </p:spTree>
+  </p:cSld>
+  <p:clrMapOvr>
+    <a:masterClrMapping/>
+  </p:clrMapOvr>
+</p:sld>
+</file>
+
+<file path=ppt/slides/slide27.xml><?xml version="1.0" encoding="utf-8"?>
+<p:sld xmlns:a="http://schemas.openxmlformats.org/drawingml/2006/main" xmlns:r="http://schemas.openxmlformats.org/officeDocument/2006/relationships" xmlns:p="http://schemas.openxmlformats.org/presentationml/2006/main">
+  <p:cSld>
+    <p:spTree>
+      <p:nvGrpSpPr>
+        <p:cNvPr id="1" name=""/>
+        <p:cNvGrpSpPr/>
+        <p:nvPr/>
+      </p:nvGrpSpPr>
+      <p:grpSpPr/>
+      <p:sp>
+        <p:nvSpPr>
+          <p:cNvPr id="2" name="Title 1"/>
+          <p:cNvSpPr>
+            <a:spLocks noGrp="1"/>
+          </p:cNvSpPr>
+          <p:nvPr>
+            <p:ph type="title"/>
+          </p:nvPr>
+        </p:nvSpPr>
+        <p:spPr/>
+        <p:txBody>
+          <a:bodyPr>
+            <a:normAutofit/>
+          </a:bodyPr>
+          <a:p>
+            <a:r>
+              <a:rPr lang="en-US" altLang="en-GB"/>
+              <a:t>Importance of Data Management</a:t>
+            </a:r>
+            <a:endParaRPr lang="en-US" altLang="en-GB"/>
+          </a:p>
+        </p:txBody>
+      </p:sp>
+      <p:sp>
+        <p:nvSpPr>
+          <p:cNvPr id="3" name="Content Placeholder 2"/>
+          <p:cNvSpPr>
+            <a:spLocks noGrp="1"/>
+          </p:cNvSpPr>
+          <p:nvPr>
+            <p:ph idx="1"/>
+          </p:nvPr>
+        </p:nvSpPr>
+        <p:spPr/>
+        <p:txBody>
+          <a:bodyPr/>
+          <a:p>
+            <a:r>
+              <a:rPr lang="en-US" altLang="en-GB"/>
+              <a:t>Improved Decision-Making: High-quality data leads to better insights and strategic decisions.</a:t>
+            </a:r>
+            <a:endParaRPr lang="en-US" altLang="en-GB"/>
+          </a:p>
+          <a:p>
+            <a:r>
+              <a:rPr lang="en-US" altLang="en-GB"/>
+              <a:t>Operational Efficiency: Automating data workflows reduces manual effort.</a:t>
+            </a:r>
+            <a:endParaRPr lang="en-US" altLang="en-GB"/>
+          </a:p>
+          <a:p>
+            <a:r>
+              <a:rPr lang="en-US" altLang="en-GB"/>
+              <a:t>Regulatory Compliance: Ensures adherence to data protection laws.</a:t>
+            </a:r>
+            <a:endParaRPr lang="en-US" altLang="en-GB"/>
+          </a:p>
+          <a:p>
+            <a:r>
+              <a:rPr lang="en-US" altLang="en-GB"/>
+              <a:t>Risk Mitigation: Protects against data breaches and financial losses.</a:t>
+            </a:r>
+            <a:endParaRPr lang="en-US" altLang="en-GB"/>
+          </a:p>
+        </p:txBody>
+      </p:sp>
+    </p:spTree>
+  </p:cSld>
+  <p:clrMapOvr>
+    <a:masterClrMapping/>
+  </p:clrMapOvr>
+</p:sld>
+</file>
+
+<file path=ppt/slides/slide28.xml><?xml version="1.0" encoding="utf-8"?>
+<p:sld xmlns:a="http://schemas.openxmlformats.org/drawingml/2006/main" xmlns:r="http://schemas.openxmlformats.org/officeDocument/2006/relationships" xmlns:p="http://schemas.openxmlformats.org/presentationml/2006/main">
+  <p:cSld>
+    <p:spTree>
+      <p:nvGrpSpPr>
+        <p:cNvPr id="1" name=""/>
+        <p:cNvGrpSpPr/>
+        <p:nvPr/>
+      </p:nvGrpSpPr>
+      <p:grpSpPr/>
+      <p:sp>
+        <p:nvSpPr>
+          <p:cNvPr id="2" name="Title 1"/>
+          <p:cNvSpPr>
+            <a:spLocks noGrp="1"/>
+          </p:cNvSpPr>
+          <p:nvPr>
+            <p:ph type="title"/>
+          </p:nvPr>
+        </p:nvSpPr>
+        <p:spPr/>
+        <p:txBody>
+          <a:bodyPr>
+            <a:normAutofit/>
+          </a:bodyPr>
+          <a:p>
+            <a:r>
+              <a:rPr lang="en-US" altLang="en-GB"/>
+              <a:t>Modern Data Management Approaches</a:t>
+            </a:r>
+            <a:endParaRPr lang="en-US" altLang="en-GB"/>
+          </a:p>
+        </p:txBody>
+      </p:sp>
+      <p:sp>
+        <p:nvSpPr>
+          <p:cNvPr id="3" name="Content Placeholder 2"/>
+          <p:cNvSpPr>
+            <a:spLocks noGrp="1"/>
+          </p:cNvSpPr>
+          <p:nvPr>
+            <p:ph idx="1"/>
+          </p:nvPr>
+        </p:nvSpPr>
+        <p:spPr/>
+        <p:txBody>
+          <a:bodyPr/>
+          <a:p>
+            <a:r>
+              <a:rPr lang="en-US" altLang="en-GB"/>
+              <a:t>Cloud Data Management: Storing and processing data in cloud environments for scalability.</a:t>
+            </a:r>
+            <a:endParaRPr lang="en-US" altLang="en-GB"/>
+          </a:p>
+          <a:p>
+            <a:r>
+              <a:rPr lang="en-US" altLang="en-GB"/>
+              <a:t>Data Lakes vs. Data Warehouses: Data lakes handle large volumes of raw data, while warehouses are optimized for analytics.</a:t>
+            </a:r>
+            <a:endParaRPr lang="en-US" altLang="en-GB"/>
+          </a:p>
+          <a:p>
+            <a:r>
+              <a:rPr lang="en-US" altLang="en-GB"/>
+              <a:t>Real-Time Data Processing: Technologies like Apache Kafka enable immediate analysis of streaming data.</a:t>
+            </a:r>
+            <a:endParaRPr lang="en-US" altLang="en-GB"/>
+          </a:p>
+        </p:txBody>
+      </p:sp>
+    </p:spTree>
+  </p:cSld>
+  <p:clrMapOvr>
+    <a:masterClrMapping/>
+  </p:clrMapOvr>
+</p:sld>
+</file>
+
+<file path=ppt/slides/slide29.xml><?xml version="1.0" encoding="utf-8"?>
+<p:sld xmlns:a="http://schemas.openxmlformats.org/drawingml/2006/main" xmlns:r="http://schemas.openxmlformats.org/officeDocument/2006/relationships" xmlns:p="http://schemas.openxmlformats.org/presentationml/2006/main">
+  <p:cSld>
+    <p:spTree>
+      <p:nvGrpSpPr>
+        <p:cNvPr id="1" name=""/>
+        <p:cNvGrpSpPr/>
+        <p:nvPr/>
+      </p:nvGrpSpPr>
+      <p:grpSpPr/>
+      <p:sp>
+        <p:nvSpPr>
+          <p:cNvPr id="2" name="Title 1"/>
+          <p:cNvSpPr>
+            <a:spLocks noGrp="1"/>
+          </p:cNvSpPr>
+          <p:nvPr>
+            <p:ph type="title"/>
+          </p:nvPr>
+        </p:nvSpPr>
+        <p:spPr/>
+        <p:txBody>
+          <a:bodyPr>
+            <a:normAutofit/>
+          </a:bodyPr>
+          <a:p>
+            <a:r>
+              <a:rPr lang="zh-CN" altLang="en-US"/>
+              <a:t>🛠</a:t>
+            </a:r>
+            <a:r>
+              <a:rPr lang="ar-EG" altLang="zh-CN"/>
+              <a:t>  </a:t>
+            </a:r>
+            <a:r>
+              <a:rPr lang="en-US" altLang="en-GB"/>
+              <a:t>Data Engineering</a:t>
+            </a:r>
+            <a:endParaRPr lang="en-US" altLang="en-GB"/>
+          </a:p>
+        </p:txBody>
+      </p:sp>
+      <p:sp>
+        <p:nvSpPr>
+          <p:cNvPr id="3" name="Content Placeholder 2"/>
+          <p:cNvSpPr>
+            <a:spLocks noGrp="1"/>
+          </p:cNvSpPr>
+          <p:nvPr>
+            <p:ph idx="1"/>
+          </p:nvPr>
+        </p:nvSpPr>
+        <p:spPr/>
+        <p:txBody>
+          <a:bodyPr>
+            <a:normAutofit/>
+          </a:bodyPr>
+          <a:p>
+            <a:r>
+              <a:rPr lang="en-US" altLang="en-GB" sz="3200"/>
+              <a:t>Data Engineering focuses on designing, building, and maintaining the infrastructure (pipelines, databases, systems) that enables the collection, storage, and analysis of data.</a:t>
+            </a:r>
+            <a:endParaRPr lang="en-US" altLang="en-GB" sz="3200"/>
+          </a:p>
+          <a:p>
+            <a:r>
+              <a:rPr lang="en-US" altLang="en-GB" sz="3200"/>
+              <a:t>Key Responsibilities:</a:t>
+            </a:r>
+            <a:endParaRPr lang="en-US" altLang="en-GB" sz="3200"/>
+          </a:p>
+          <a:p>
+            <a:pPr lvl="1"/>
+            <a:r>
+              <a:rPr lang="en-US" altLang="en-GB" sz="2800"/>
+              <a:t>Building ETL (Extract, Transform, Load) pipelines</a:t>
+            </a:r>
+            <a:endParaRPr lang="en-US" altLang="en-GB" sz="2800"/>
+          </a:p>
+          <a:p>
+            <a:pPr lvl="1"/>
+            <a:r>
+              <a:rPr lang="en-US" altLang="en-GB" sz="2800"/>
+              <a:t>Data Integration from multiple sources</a:t>
+            </a:r>
+            <a:endParaRPr lang="en-US" altLang="en-GB" sz="2800"/>
+          </a:p>
+          <a:p>
+            <a:pPr lvl="1"/>
+            <a:r>
+              <a:rPr lang="en-US" altLang="en-GB" sz="2800"/>
+              <a:t>Optimizing data storage solutions</a:t>
+            </a:r>
+            <a:endParaRPr lang="en-US" altLang="en-GB" sz="2800"/>
+          </a:p>
+          <a:p>
+            <a:pPr lvl="1"/>
+            <a:r>
+              <a:rPr lang="en-US" altLang="en-GB" sz="2800"/>
+              <a:t>Enabling real-time data processing</a:t>
+            </a:r>
+            <a:endParaRPr lang="en-US" altLang="en-GB" sz="2800"/>
+          </a:p>
+        </p:txBody>
+      </p:sp>
+    </p:spTree>
+  </p:cSld>
+  <p:clrMapOvr>
+    <a:masterClrMapping/>
+  </p:clrMapOvr>
+</p:sld>
+</file>
+
+<file path=ppt/slides/slide3.xml><?xml version="1.0" encoding="utf-8"?>
+<p:sld xmlns:a="http://schemas.openxmlformats.org/drawingml/2006/main" xmlns:r="http://schemas.openxmlformats.org/officeDocument/2006/relationships" xmlns:p="http://schemas.openxmlformats.org/presentationml/2006/main">
+  <p:cSld>
+    <p:spTree>
+      <p:nvGrpSpPr>
+        <p:cNvPr id="1" name=""/>
+        <p:cNvGrpSpPr/>
+        <p:nvPr/>
+      </p:nvGrpSpPr>
+      <p:grpSpPr>
+        <a:xfrm>
+          <a:off x="0" y="0"/>
+          <a:ext cx="0" cy="0"/>
+          <a:chOff x="0" y="0"/>
+          <a:chExt cx="0" cy="0"/>
+        </a:xfrm>
+      </p:grpSpPr>
+      <p:sp>
+        <p:nvSpPr>
+          <p:cNvPr id="2" name="Titel 1"/>
+          <p:cNvSpPr>
+            <a:spLocks noGrp="1"/>
+          </p:cNvSpPr>
+          <p:nvPr>
+            <p:ph type="title"/>
+          </p:nvPr>
+        </p:nvSpPr>
+        <p:spPr/>
+        <p:txBody>
+          <a:bodyPr/>
+          <a:lstStyle/>
+          <a:p>
+            <a:r>
+              <a:rPr lang="de-DE" dirty="0"/>
+              <a:t>Naive Definition</a:t>
+            </a:r>
+            <a:endParaRPr lang="en-US" dirty="0"/>
+          </a:p>
+        </p:txBody>
+      </p:sp>
+      <p:sp>
+        <p:nvSpPr>
+          <p:cNvPr id="3" name="Inhaltsplatzhalter 2"/>
+          <p:cNvSpPr>
+            <a:spLocks noGrp="1"/>
+          </p:cNvSpPr>
+          <p:nvPr>
+            <p:ph idx="1"/>
+          </p:nvPr>
+        </p:nvSpPr>
+        <p:spPr/>
+        <p:txBody>
+          <a:bodyPr>
+            <a:normAutofit fontScale="92500" lnSpcReduction="10000"/>
+          </a:bodyPr>
+          <a:lstStyle/>
+          <a:p>
+            <a:r>
+              <a:rPr lang="en-US" dirty="0"/>
+              <a:t>Naive definition:</a:t>
+            </a:r>
+            <a:endParaRPr lang="en-US" dirty="0"/>
+          </a:p>
+          <a:p>
+            <a:pPr lvl="1"/>
+            <a:r>
+              <a:rPr lang="en-US" dirty="0"/>
+              <a:t>Big data only depends on the data size</a:t>
+            </a:r>
+            <a:endParaRPr lang="en-US" dirty="0"/>
+          </a:p>
+          <a:p>
+            <a:pPr lvl="1"/>
+            <a:r>
+              <a:rPr lang="en-US" dirty="0"/>
+              <a:t>1 Gigabyte? 1 Terabyte? 1 Petabyte?</a:t>
+            </a:r>
+            <a:endParaRPr lang="en-US" dirty="0"/>
+          </a:p>
+          <a:p>
+            <a:endParaRPr lang="en-US" dirty="0"/>
+          </a:p>
+          <a:p>
+            <a:r>
+              <a:rPr lang="en-US" dirty="0"/>
+              <a:t>Naive interpretation misses important aspects</a:t>
+            </a:r>
+            <a:endParaRPr lang="en-US" dirty="0"/>
+          </a:p>
+          <a:p>
+            <a:pPr lvl="1"/>
+            <a:r>
+              <a:rPr lang="en-US" dirty="0"/>
+              <a:t>Time:</a:t>
+            </a:r>
+            <a:endParaRPr lang="en-US" dirty="0"/>
+          </a:p>
+          <a:p>
+            <a:pPr lvl="2"/>
+            <a:r>
+              <a:rPr lang="en-US" dirty="0"/>
+              <a:t>Analyzing 1 Gigabyte of data per day is different from analyzing 1 Gigabyte of data per second</a:t>
+            </a:r>
+            <a:endParaRPr lang="en-US" dirty="0"/>
+          </a:p>
+          <a:p>
+            <a:pPr lvl="1"/>
+            <a:r>
+              <a:rPr lang="en-US" dirty="0"/>
+              <a:t>Diversity:</a:t>
+            </a:r>
+            <a:endParaRPr lang="en-US" dirty="0"/>
+          </a:p>
+          <a:p>
+            <a:pPr lvl="2"/>
+            <a:r>
+              <a:rPr lang="en-US" dirty="0"/>
+              <a:t>Analyzing spread sheets with numeric data is different from analyzing Web pages that contain a mixture of text and images</a:t>
+            </a:r>
+            <a:endParaRPr lang="en-US" dirty="0"/>
+          </a:p>
+          <a:p>
+            <a:pPr lvl="1"/>
+            <a:r>
+              <a:rPr lang="en-US" dirty="0"/>
+              <a:t>Distribution:</a:t>
+            </a:r>
+            <a:endParaRPr lang="en-US" dirty="0"/>
+          </a:p>
+          <a:p>
+            <a:pPr lvl="2"/>
+            <a:r>
+              <a:rPr lang="en-US" dirty="0"/>
+              <a:t>Analyzing data from a single source is different from analyzing data from multiple sources</a:t>
+            </a:r>
+            <a:endParaRPr lang="en-US" dirty="0"/>
+          </a:p>
+        </p:txBody>
+      </p:sp>
+    </p:spTree>
+  </p:cSld>
+  <p:clrMapOvr>
+    <a:masterClrMapping/>
+  </p:clrMapOvr>
+</p:sld>
+</file>
+
+<file path=ppt/slides/slide30.xml><?xml version="1.0" encoding="utf-8"?>
+<p:sld xmlns:a="http://schemas.openxmlformats.org/drawingml/2006/main" xmlns:r="http://schemas.openxmlformats.org/officeDocument/2006/relationships" xmlns:p="http://schemas.openxmlformats.org/presentationml/2006/main">
+  <p:cSld>
+    <p:spTree>
+      <p:nvGrpSpPr>
+        <p:cNvPr id="1" name=""/>
+        <p:cNvGrpSpPr/>
+        <p:nvPr/>
+      </p:nvGrpSpPr>
+      <p:grpSpPr/>
+      <p:sp>
+        <p:nvSpPr>
+          <p:cNvPr id="2" name="Title 1"/>
+          <p:cNvSpPr>
+            <a:spLocks noGrp="1"/>
+          </p:cNvSpPr>
+          <p:nvPr>
+            <p:ph type="title"/>
+          </p:nvPr>
+        </p:nvSpPr>
+        <p:spPr/>
+        <p:txBody>
+          <a:bodyPr/>
+          <a:p>
+            <a:r>
+              <a:rPr lang="zh-CN" altLang="en-US">
+                <a:sym typeface="+mn-ea"/>
+              </a:rPr>
+              <a:t>🛠</a:t>
+            </a:r>
+            <a:r>
+              <a:rPr lang="ar-EG" altLang="zh-CN">
+                <a:sym typeface="+mn-ea"/>
+              </a:rPr>
+              <a:t>  </a:t>
+            </a:r>
+            <a:r>
+              <a:rPr lang="en-US" altLang="en-GB">
+                <a:sym typeface="+mn-ea"/>
+              </a:rPr>
+              <a:t>Data Engineering</a:t>
+            </a:r>
+            <a:endParaRPr lang="en-GB" altLang="en-US"/>
+          </a:p>
+        </p:txBody>
+      </p:sp>
+      <p:sp>
+        <p:nvSpPr>
+          <p:cNvPr id="3" name="Content Placeholder 2"/>
+          <p:cNvSpPr>
+            <a:spLocks noGrp="1"/>
+          </p:cNvSpPr>
+          <p:nvPr>
+            <p:ph idx="1"/>
+          </p:nvPr>
+        </p:nvSpPr>
+        <p:spPr/>
+        <p:txBody>
+          <a:bodyPr>
+            <a:normAutofit/>
+          </a:bodyPr>
+          <a:p>
+            <a:r>
+              <a:rPr lang="en-US" altLang="en-GB"/>
+              <a:t>Key Tools &amp; Technologies:</a:t>
+            </a:r>
+            <a:endParaRPr lang="en-US" altLang="en-GB"/>
+          </a:p>
+          <a:p>
+            <a:pPr lvl="1"/>
+            <a:r>
+              <a:rPr lang="en-US" altLang="en-GB"/>
+              <a:t>SQL, Python, Scala</a:t>
+            </a:r>
+            <a:endParaRPr lang="en-US" altLang="en-GB"/>
+          </a:p>
+          <a:p>
+            <a:pPr lvl="1"/>
+            <a:r>
+              <a:rPr lang="en-US" altLang="en-GB"/>
+              <a:t>Apache Spark, Airflow, Kafka</a:t>
+            </a:r>
+            <a:endParaRPr lang="en-US" altLang="en-GB"/>
+          </a:p>
+          <a:p>
+            <a:pPr lvl="1"/>
+            <a:r>
+              <a:rPr lang="en-US" altLang="en-GB"/>
+              <a:t>Data Warehousing (Snowflake, Redshift)</a:t>
+            </a:r>
+            <a:endParaRPr lang="en-US" altLang="en-GB"/>
+          </a:p>
+          <a:p>
+            <a:pPr lvl="1"/>
+            <a:r>
+              <a:rPr lang="en-US" altLang="en-GB"/>
+              <a:t>Cloud Data Services</a:t>
+            </a:r>
+            <a:endParaRPr lang="en-US" altLang="en-GB"/>
+          </a:p>
+          <a:p>
+            <a:r>
+              <a:rPr lang="en-US" altLang="en-GB"/>
+              <a:t>Purpose:</a:t>
+            </a:r>
+            <a:r>
+              <a:rPr lang="ar-EG" altLang="en-US"/>
+              <a:t> </a:t>
+            </a:r>
+            <a:r>
+              <a:rPr lang="en-US" altLang="en-GB"/>
+              <a:t>To create the technical foundation that allows data scientists and analysts to work efficiently.</a:t>
+            </a:r>
+            <a:endParaRPr lang="en-US" altLang="en-GB"/>
+          </a:p>
+          <a:p>
+            <a:r>
+              <a:rPr lang="en-US" altLang="en-GB"/>
+              <a:t>Example:</a:t>
+            </a:r>
+            <a:r>
+              <a:rPr lang="ar-EG" altLang="en-US"/>
+              <a:t> </a:t>
+            </a:r>
+            <a:r>
+              <a:rPr lang="en-US" altLang="en-GB"/>
+              <a:t>A data engineer builds a pipeline that collects user interaction data from a mobile app, processes it in real time, and stores it in a data warehouse for analysis.</a:t>
+            </a:r>
+            <a:endParaRPr lang="en-US" altLang="en-GB"/>
+          </a:p>
+        </p:txBody>
+      </p:sp>
+    </p:spTree>
+  </p:cSld>
+  <p:clrMapOvr>
+    <a:masterClrMapping/>
+  </p:clrMapOvr>
+</p:sld>
+</file>
+
+<file path=ppt/slides/slide31.xml><?xml version="1.0" encoding="utf-8"?>
+<p:sld xmlns:a="http://schemas.openxmlformats.org/drawingml/2006/main" xmlns:r="http://schemas.openxmlformats.org/officeDocument/2006/relationships" xmlns:p="http://schemas.openxmlformats.org/presentationml/2006/main">
+  <p:cSld>
+    <p:spTree>
+      <p:nvGrpSpPr>
+        <p:cNvPr id="1" name=""/>
+        <p:cNvGrpSpPr/>
+        <p:nvPr/>
+      </p:nvGrpSpPr>
+      <p:grpSpPr/>
+      <p:sp>
+        <p:nvSpPr>
+          <p:cNvPr id="2" name="Title 1"/>
+          <p:cNvSpPr>
+            <a:spLocks noGrp="1"/>
+          </p:cNvSpPr>
+          <p:nvPr>
+            <p:ph type="title"/>
+          </p:nvPr>
+        </p:nvSpPr>
+        <p:spPr/>
+        <p:txBody>
+          <a:bodyPr>
+            <a:normAutofit fontScale="90000"/>
+          </a:bodyPr>
+          <a:p>
+            <a:r>
+              <a:rPr lang="en-US" altLang="en-GB">
+                <a:sym typeface="+mn-ea"/>
+              </a:rPr>
+              <a:t>How Big data , Data Managment and Data Engineering Work Together</a:t>
+            </a:r>
+            <a:endParaRPr lang="en-GB" altLang="en-US"/>
+          </a:p>
+        </p:txBody>
+      </p:sp>
+      <p:sp>
+        <p:nvSpPr>
+          <p:cNvPr id="3" name="Content Placeholder 2"/>
+          <p:cNvSpPr>
+            <a:spLocks noGrp="1"/>
+          </p:cNvSpPr>
+          <p:nvPr>
+            <p:ph idx="1"/>
+          </p:nvPr>
+        </p:nvSpPr>
+        <p:spPr/>
+        <p:txBody>
+          <a:bodyPr/>
+          <a:p>
+            <a:r>
+              <a:rPr lang="en-US" altLang="en-GB" sz="3600"/>
+              <a:t>Data Engineering builds the pipelines and infrastructure.</a:t>
+            </a:r>
+            <a:endParaRPr lang="en-US" altLang="en-GB" sz="3600"/>
+          </a:p>
+          <a:p>
+            <a:r>
+              <a:rPr lang="en-US" altLang="en-GB" sz="3600"/>
+              <a:t>Big Data refers to the large, complex datasets processed using that infrastructure.</a:t>
+            </a:r>
+            <a:endParaRPr lang="en-US" altLang="en-GB" sz="3600"/>
+          </a:p>
+          <a:p>
+            <a:r>
+              <a:rPr lang="en-US" altLang="en-GB" sz="3600"/>
+              <a:t>Data Management ensures the data is accurate, secure, and governed properly throughout its lifecycle.</a:t>
+            </a:r>
+            <a:endParaRPr lang="en-US" altLang="en-GB" sz="3600"/>
+          </a:p>
+        </p:txBody>
+      </p:sp>
+    </p:spTree>
+  </p:cSld>
+  <p:clrMapOvr>
+    <a:masterClrMapping/>
+  </p:clrMapOvr>
+</p:sld>
+</file>
+
+<file path=ppt/slides/slide32.xml><?xml version="1.0" encoding="utf-8"?>
+<p:sld xmlns:a="http://schemas.openxmlformats.org/drawingml/2006/main" xmlns:r="http://schemas.openxmlformats.org/officeDocument/2006/relationships" xmlns:p="http://schemas.openxmlformats.org/presentationml/2006/main">
+  <p:cSld>
+    <p:spTree>
+      <p:nvGrpSpPr>
+        <p:cNvPr id="1" name=""/>
+        <p:cNvGrpSpPr/>
+        <p:nvPr/>
+      </p:nvGrpSpPr>
+      <p:grpSpPr/>
+      <p:sp>
+        <p:nvSpPr>
+          <p:cNvPr id="2" name="Title 1"/>
+          <p:cNvSpPr>
+            <a:spLocks noGrp="1"/>
+          </p:cNvSpPr>
+          <p:nvPr>
+            <p:ph type="title"/>
+          </p:nvPr>
+        </p:nvSpPr>
+        <p:spPr/>
+        <p:txBody>
+          <a:bodyPr/>
+          <a:p>
+            <a:r>
+              <a:rPr lang="en-US" altLang="en-GB"/>
+              <a:t>Comparison</a:t>
+            </a:r>
+            <a:endParaRPr lang="en-US" altLang="en-GB"/>
+          </a:p>
+        </p:txBody>
+      </p:sp>
+      <p:graphicFrame>
+        <p:nvGraphicFramePr>
+          <p:cNvPr id="35" name="Table 34"/>
+          <p:cNvGraphicFramePr/>
+          <p:nvPr/>
+        </p:nvGraphicFramePr>
+        <p:xfrm>
+          <a:off x="838200" y="1553845"/>
+          <a:ext cx="10485120" cy="0"/>
+        </p:xfrm>
+        <a:graphic>
+          <a:graphicData uri="http://schemas.openxmlformats.org/drawingml/2006/table">
+            <a:tbl>
+              <a:tblPr>
+                <a:tableStyleId>{3C2FFA5D-87B4-456A-9821-1D502468CF0F}</a:tableStyleId>
+              </a:tblPr>
+              <a:tblGrid>
+                <a:gridCol w="2621280"/>
+                <a:gridCol w="2621280"/>
+                <a:gridCol w="2621280"/>
+                <a:gridCol w="2621280"/>
+              </a:tblGrid>
+              <a:tr h="0">
+                <a:tc>
+                  <a:txBody>
+                    <a:bodyPr/>
+                    <a:p>
+                      <a:r>
+                        <a:rPr sz="2400" b="1"/>
+                        <a:t>Aspect</a:t>
+                      </a:r>
+                      <a:endParaRPr sz="2400" b="1"/>
+                    </a:p>
+                  </a:txBody>
+                  <a:tcPr marL="0" marR="0" marT="0" marB="0" anchor="ctr" anchorCtr="0">
+                    <a:lnL w="12700" cap="flat" cmpd="sng" algn="ctr">
+                      <a:solidFill>
+                        <a:schemeClr val="tx1"/>
+                      </a:solidFill>
+                      <a:prstDash val="solid"/>
+                      <a:miter lim="800000"/>
+                    </a:lnL>
+                    <a:lnR w="12700" cap="flat" cmpd="sng" algn="ctr">
+                      <a:solidFill>
+                        <a:schemeClr val="tx1"/>
+                      </a:solidFill>
+                      <a:prstDash val="solid"/>
+                      <a:miter lim="800000"/>
+                    </a:lnR>
+                    <a:lnT w="12700" cap="flat" cmpd="sng" algn="ctr">
+                      <a:solidFill>
+                        <a:schemeClr val="tx1"/>
+                      </a:solidFill>
+                      <a:prstDash val="solid"/>
+                      <a:miter lim="800000"/>
+                    </a:lnT>
+                    <a:lnB w="12700" cap="flat" cmpd="sng" algn="ctr">
+                      <a:solidFill>
+                        <a:schemeClr val="tx1"/>
+                      </a:solidFill>
+                      <a:prstDash val="solid"/>
+                      <a:miter lim="800000"/>
+                    </a:lnB>
+                  </a:tcPr>
+                </a:tc>
+                <a:tc>
+                  <a:txBody>
+                    <a:bodyPr/>
+                    <a:p>
+                      <a:r>
+                        <a:rPr sz="2400" b="1"/>
+                        <a:t>Data Management</a:t>
+                      </a:r>
+                      <a:endParaRPr sz="2400" b="1"/>
+                    </a:p>
+                  </a:txBody>
+                  <a:tcPr marL="0" marR="0" marT="0" marB="0" anchor="ctr" anchorCtr="0">
+                    <a:lnL w="12700" cap="flat" cmpd="sng" algn="ctr">
+                      <a:solidFill>
+                        <a:schemeClr val="tx1"/>
+                      </a:solidFill>
+                      <a:prstDash val="solid"/>
+                      <a:miter lim="800000"/>
+                    </a:lnL>
+                    <a:lnR w="12700" cap="flat" cmpd="sng" algn="ctr">
+                      <a:solidFill>
+                        <a:schemeClr val="tx1"/>
+                      </a:solidFill>
+                      <a:prstDash val="solid"/>
+                      <a:miter lim="800000"/>
+                    </a:lnR>
+                    <a:lnT w="12700" cap="flat" cmpd="sng" algn="ctr">
+                      <a:solidFill>
+                        <a:schemeClr val="tx1"/>
+                      </a:solidFill>
+                      <a:prstDash val="solid"/>
+                      <a:miter lim="800000"/>
+                    </a:lnT>
+                    <a:lnB w="12700" cap="flat" cmpd="sng" algn="ctr">
+                      <a:solidFill>
+                        <a:schemeClr val="tx1"/>
+                      </a:solidFill>
+                      <a:prstDash val="solid"/>
+                      <a:miter lim="800000"/>
+                    </a:lnB>
+                  </a:tcPr>
+                </a:tc>
+                <a:tc>
+                  <a:txBody>
+                    <a:bodyPr/>
+                    <a:p>
+                      <a:r>
+                        <a:rPr sz="2400" b="1"/>
+                        <a:t>Big Data</a:t>
+                      </a:r>
+                      <a:endParaRPr sz="2400" b="1"/>
+                    </a:p>
+                  </a:txBody>
+                  <a:tcPr marL="0" marR="0" marT="0" marB="0" anchor="ctr" anchorCtr="0">
+                    <a:lnL w="12700" cap="flat" cmpd="sng" algn="ctr">
+                      <a:solidFill>
+                        <a:schemeClr val="tx1"/>
+                      </a:solidFill>
+                      <a:prstDash val="solid"/>
+                      <a:miter lim="800000"/>
+                    </a:lnL>
+                    <a:lnR w="12700" cap="flat" cmpd="sng" algn="ctr">
+                      <a:solidFill>
+                        <a:schemeClr val="tx1"/>
+                      </a:solidFill>
+                      <a:prstDash val="solid"/>
+                      <a:miter lim="800000"/>
+                    </a:lnR>
+                    <a:lnT w="12700" cap="flat" cmpd="sng" algn="ctr">
+                      <a:solidFill>
+                        <a:schemeClr val="tx1"/>
+                      </a:solidFill>
+                      <a:prstDash val="solid"/>
+                      <a:miter lim="800000"/>
+                    </a:lnT>
+                    <a:lnB w="12700" cap="flat" cmpd="sng" algn="ctr">
+                      <a:solidFill>
+                        <a:schemeClr val="tx1"/>
+                      </a:solidFill>
+                      <a:prstDash val="solid"/>
+                      <a:miter lim="800000"/>
+                    </a:lnB>
+                  </a:tcPr>
+                </a:tc>
+                <a:tc>
+                  <a:txBody>
+                    <a:bodyPr/>
+                    <a:p>
+                      <a:r>
+                        <a:rPr sz="2400" b="1"/>
+                        <a:t>Data Engineering</a:t>
+                      </a:r>
+                      <a:endParaRPr sz="2400" b="1"/>
+                    </a:p>
+                  </a:txBody>
+                  <a:tcPr marL="0" marR="0" marT="0" marB="0" anchor="ctr" anchorCtr="0">
+                    <a:lnL w="12700" cap="flat" cmpd="sng" algn="ctr">
+                      <a:solidFill>
+                        <a:schemeClr val="tx1"/>
+                      </a:solidFill>
+                      <a:prstDash val="solid"/>
+                      <a:miter lim="800000"/>
+                    </a:lnL>
+                    <a:lnR w="12700" cap="flat" cmpd="sng" algn="ctr">
+                      <a:solidFill>
+                        <a:schemeClr val="tx1"/>
+                      </a:solidFill>
+                      <a:prstDash val="solid"/>
+                      <a:miter lim="800000"/>
+                    </a:lnR>
+                    <a:lnT w="12700" cap="flat" cmpd="sng" algn="ctr">
+                      <a:solidFill>
+                        <a:schemeClr val="tx1"/>
+                      </a:solidFill>
+                      <a:prstDash val="solid"/>
+                      <a:miter lim="800000"/>
+                    </a:lnT>
+                    <a:lnB w="12700" cap="flat" cmpd="sng" algn="ctr">
+                      <a:solidFill>
+                        <a:schemeClr val="tx1"/>
+                      </a:solidFill>
+                      <a:prstDash val="solid"/>
+                      <a:miter lim="800000"/>
+                    </a:lnB>
+                  </a:tcPr>
+                </a:tc>
+              </a:tr>
+              <a:tr h="0">
+                <a:tc>
+                  <a:txBody>
+                    <a:bodyPr/>
+                    <a:p>
+                      <a:r>
+                        <a:rPr sz="2400"/>
+                        <a:t>Focus</a:t>
+                      </a:r>
+                      <a:endParaRPr sz="2400"/>
+                    </a:p>
+                  </a:txBody>
+                  <a:tcPr marL="0" marR="0" marT="0" marB="0" anchor="ctr" anchorCtr="0">
+                    <a:lnL w="12700" cap="flat" cmpd="sng" algn="ctr">
+                      <a:solidFill>
+                        <a:schemeClr val="tx1"/>
+                      </a:solidFill>
+                      <a:prstDash val="solid"/>
+                      <a:miter lim="800000"/>
+                    </a:lnL>
+                    <a:lnR w="12700" cap="flat" cmpd="sng" algn="ctr">
+                      <a:solidFill>
+                        <a:schemeClr val="tx1"/>
+                      </a:solidFill>
+                      <a:prstDash val="solid"/>
+                      <a:miter lim="800000"/>
+                    </a:lnR>
+                    <a:lnT w="12700" cap="flat" cmpd="sng" algn="ctr">
+                      <a:solidFill>
+                        <a:schemeClr val="tx1"/>
+                      </a:solidFill>
+                      <a:prstDash val="solid"/>
+                      <a:miter lim="800000"/>
+                    </a:lnT>
+                    <a:lnB w="12700" cap="flat" cmpd="sng" algn="ctr">
+                      <a:solidFill>
+                        <a:schemeClr val="tx1"/>
+                      </a:solidFill>
+                      <a:prstDash val="solid"/>
+                      <a:miter lim="800000"/>
+                    </a:lnB>
+                  </a:tcPr>
+                </a:tc>
+                <a:tc>
+                  <a:txBody>
+                    <a:bodyPr/>
+                    <a:p>
+                      <a:r>
+                        <a:rPr sz="2400"/>
+                        <a:t>Data quality, governance, security</a:t>
+                      </a:r>
+                      <a:endParaRPr sz="2400"/>
+                    </a:p>
+                  </a:txBody>
+                  <a:tcPr marL="0" marR="0" marT="0" marB="0" anchor="ctr" anchorCtr="0">
+                    <a:lnL w="12700" cap="flat" cmpd="sng" algn="ctr">
+                      <a:solidFill>
+                        <a:schemeClr val="tx1"/>
+                      </a:solidFill>
+                      <a:prstDash val="solid"/>
+                      <a:miter lim="800000"/>
+                    </a:lnL>
+                    <a:lnR w="12700" cap="flat" cmpd="sng" algn="ctr">
+                      <a:solidFill>
+                        <a:schemeClr val="tx1"/>
+                      </a:solidFill>
+                      <a:prstDash val="solid"/>
+                      <a:miter lim="800000"/>
+                    </a:lnR>
+                    <a:lnT w="12700" cap="flat" cmpd="sng" algn="ctr">
+                      <a:solidFill>
+                        <a:schemeClr val="tx1"/>
+                      </a:solidFill>
+                      <a:prstDash val="solid"/>
+                      <a:miter lim="800000"/>
+                    </a:lnT>
+                    <a:lnB w="12700" cap="flat" cmpd="sng" algn="ctr">
+                      <a:solidFill>
+                        <a:schemeClr val="tx1"/>
+                      </a:solidFill>
+                      <a:prstDash val="solid"/>
+                      <a:miter lim="800000"/>
+                    </a:lnB>
+                  </a:tcPr>
+                </a:tc>
+                <a:tc>
+                  <a:txBody>
+                    <a:bodyPr/>
+                    <a:p>
+                      <a:r>
+                        <a:rPr sz="2400"/>
+                        <a:t>Handling large-scale, complex data</a:t>
+                      </a:r>
+                      <a:endParaRPr sz="2400"/>
+                    </a:p>
+                  </a:txBody>
+                  <a:tcPr marL="0" marR="0" marT="0" marB="0" anchor="ctr" anchorCtr="0">
+                    <a:lnL w="12700" cap="flat" cmpd="sng" algn="ctr">
+                      <a:solidFill>
+                        <a:schemeClr val="tx1"/>
+                      </a:solidFill>
+                      <a:prstDash val="solid"/>
+                      <a:miter lim="800000"/>
+                    </a:lnL>
+                    <a:lnR w="12700" cap="flat" cmpd="sng" algn="ctr">
+                      <a:solidFill>
+                        <a:schemeClr val="tx1"/>
+                      </a:solidFill>
+                      <a:prstDash val="solid"/>
+                      <a:miter lim="800000"/>
+                    </a:lnR>
+                    <a:lnT w="12700" cap="flat" cmpd="sng" algn="ctr">
+                      <a:solidFill>
+                        <a:schemeClr val="tx1"/>
+                      </a:solidFill>
+                      <a:prstDash val="solid"/>
+                      <a:miter lim="800000"/>
+                    </a:lnT>
+                    <a:lnB w="12700" cap="flat" cmpd="sng" algn="ctr">
+                      <a:solidFill>
+                        <a:schemeClr val="tx1"/>
+                      </a:solidFill>
+                      <a:prstDash val="solid"/>
+                      <a:miter lim="800000"/>
+                    </a:lnB>
+                  </a:tcPr>
+                </a:tc>
+                <a:tc>
+                  <a:txBody>
+                    <a:bodyPr/>
+                    <a:p>
+                      <a:r>
+                        <a:rPr sz="2400"/>
+                        <a:t>Building data pipelines and infrastructure</a:t>
+                      </a:r>
+                      <a:endParaRPr sz="2400"/>
+                    </a:p>
+                  </a:txBody>
+                  <a:tcPr marL="0" marR="0" marT="0" marB="0" anchor="ctr" anchorCtr="0">
+                    <a:lnL w="12700" cap="flat" cmpd="sng" algn="ctr">
+                      <a:solidFill>
+                        <a:schemeClr val="tx1"/>
+                      </a:solidFill>
+                      <a:prstDash val="solid"/>
+                      <a:miter lim="800000"/>
+                    </a:lnL>
+                    <a:lnR w="12700" cap="flat" cmpd="sng" algn="ctr">
+                      <a:solidFill>
+                        <a:schemeClr val="tx1"/>
+                      </a:solidFill>
+                      <a:prstDash val="solid"/>
+                      <a:miter lim="800000"/>
+                    </a:lnR>
+                    <a:lnT w="12700" cap="flat" cmpd="sng" algn="ctr">
+                      <a:solidFill>
+                        <a:schemeClr val="tx1"/>
+                      </a:solidFill>
+                      <a:prstDash val="solid"/>
+                      <a:miter lim="800000"/>
+                    </a:lnT>
+                    <a:lnB w="12700" cap="flat" cmpd="sng" algn="ctr">
+                      <a:solidFill>
+                        <a:schemeClr val="tx1"/>
+                      </a:solidFill>
+                      <a:prstDash val="solid"/>
+                      <a:miter lim="800000"/>
+                    </a:lnB>
+                  </a:tcPr>
+                </a:tc>
+              </a:tr>
+              <a:tr h="0">
+                <a:tc>
+                  <a:txBody>
+                    <a:bodyPr/>
+                    <a:p>
+                      <a:r>
+                        <a:rPr sz="2400"/>
+                        <a:t>Key Concern</a:t>
+                      </a:r>
+                      <a:endParaRPr sz="2400"/>
+                    </a:p>
+                  </a:txBody>
+                  <a:tcPr marL="0" marR="0" marT="0" marB="0" anchor="ctr" anchorCtr="0">
+                    <a:lnL w="12700" cap="flat" cmpd="sng" algn="ctr">
+                      <a:solidFill>
+                        <a:schemeClr val="tx1"/>
+                      </a:solidFill>
+                      <a:prstDash val="solid"/>
+                      <a:miter lim="800000"/>
+                    </a:lnL>
+                    <a:lnR w="12700" cap="flat" cmpd="sng" algn="ctr">
+                      <a:solidFill>
+                        <a:schemeClr val="tx1"/>
+                      </a:solidFill>
+                      <a:prstDash val="solid"/>
+                      <a:miter lim="800000"/>
+                    </a:lnR>
+                    <a:lnT w="12700" cap="flat" cmpd="sng" algn="ctr">
+                      <a:solidFill>
+                        <a:schemeClr val="tx1"/>
+                      </a:solidFill>
+                      <a:prstDash val="solid"/>
+                      <a:miter lim="800000"/>
+                    </a:lnT>
+                    <a:lnB w="12700" cap="flat" cmpd="sng" algn="ctr">
+                      <a:solidFill>
+                        <a:schemeClr val="tx1"/>
+                      </a:solidFill>
+                      <a:prstDash val="solid"/>
+                      <a:miter lim="800000"/>
+                    </a:lnB>
+                  </a:tcPr>
+                </a:tc>
+                <a:tc>
+                  <a:txBody>
+                    <a:bodyPr/>
+                    <a:p>
+                      <a:r>
+                        <a:rPr sz="2400"/>
+                        <a:t>Data accuracy, availability, compliance</a:t>
+                      </a:r>
+                      <a:endParaRPr sz="2400"/>
+                    </a:p>
+                  </a:txBody>
+                  <a:tcPr marL="0" marR="0" marT="0" marB="0" anchor="ctr" anchorCtr="0">
+                    <a:lnL w="12700" cap="flat" cmpd="sng" algn="ctr">
+                      <a:solidFill>
+                        <a:schemeClr val="tx1"/>
+                      </a:solidFill>
+                      <a:prstDash val="solid"/>
+                      <a:miter lim="800000"/>
+                    </a:lnL>
+                    <a:lnR w="12700" cap="flat" cmpd="sng" algn="ctr">
+                      <a:solidFill>
+                        <a:schemeClr val="tx1"/>
+                      </a:solidFill>
+                      <a:prstDash val="solid"/>
+                      <a:miter lim="800000"/>
+                    </a:lnR>
+                    <a:lnT w="12700" cap="flat" cmpd="sng" algn="ctr">
+                      <a:solidFill>
+                        <a:schemeClr val="tx1"/>
+                      </a:solidFill>
+                      <a:prstDash val="solid"/>
+                      <a:miter lim="800000"/>
+                    </a:lnT>
+                    <a:lnB w="12700" cap="flat" cmpd="sng" algn="ctr">
+                      <a:solidFill>
+                        <a:schemeClr val="tx1"/>
+                      </a:solidFill>
+                      <a:prstDash val="solid"/>
+                      <a:miter lim="800000"/>
+                    </a:lnB>
+                  </a:tcPr>
+                </a:tc>
+                <a:tc>
+                  <a:txBody>
+                    <a:bodyPr/>
+                    <a:p>
+                      <a:r>
+                        <a:rPr sz="2400"/>
+                        <a:t>Volume, velocity, variety of data</a:t>
+                      </a:r>
+                      <a:endParaRPr sz="2400"/>
+                    </a:p>
+                  </a:txBody>
+                  <a:tcPr marL="0" marR="0" marT="0" marB="0" anchor="ctr" anchorCtr="0">
+                    <a:lnL w="12700" cap="flat" cmpd="sng" algn="ctr">
+                      <a:solidFill>
+                        <a:schemeClr val="tx1"/>
+                      </a:solidFill>
+                      <a:prstDash val="solid"/>
+                      <a:miter lim="800000"/>
+                    </a:lnL>
+                    <a:lnR w="12700" cap="flat" cmpd="sng" algn="ctr">
+                      <a:solidFill>
+                        <a:schemeClr val="tx1"/>
+                      </a:solidFill>
+                      <a:prstDash val="solid"/>
+                      <a:miter lim="800000"/>
+                    </a:lnR>
+                    <a:lnT w="12700" cap="flat" cmpd="sng" algn="ctr">
+                      <a:solidFill>
+                        <a:schemeClr val="tx1"/>
+                      </a:solidFill>
+                      <a:prstDash val="solid"/>
+                      <a:miter lim="800000"/>
+                    </a:lnT>
+                    <a:lnB w="12700" cap="flat" cmpd="sng" algn="ctr">
+                      <a:solidFill>
+                        <a:schemeClr val="tx1"/>
+                      </a:solidFill>
+                      <a:prstDash val="solid"/>
+                      <a:miter lim="800000"/>
+                    </a:lnB>
+                  </a:tcPr>
+                </a:tc>
+                <a:tc>
+                  <a:txBody>
+                    <a:bodyPr/>
+                    <a:p>
+                      <a:r>
+                        <a:rPr sz="2400"/>
+                        <a:t>Data flow, storage, processing efficiency</a:t>
+                      </a:r>
+                      <a:endParaRPr sz="2400"/>
+                    </a:p>
+                  </a:txBody>
+                  <a:tcPr marL="0" marR="0" marT="0" marB="0" anchor="ctr" anchorCtr="0">
+                    <a:lnL w="12700" cap="flat" cmpd="sng" algn="ctr">
+                      <a:solidFill>
+                        <a:schemeClr val="tx1"/>
+                      </a:solidFill>
+                      <a:prstDash val="solid"/>
+                      <a:miter lim="800000"/>
+                    </a:lnL>
+                    <a:lnR w="12700" cap="flat" cmpd="sng" algn="ctr">
+                      <a:solidFill>
+                        <a:schemeClr val="tx1"/>
+                      </a:solidFill>
+                      <a:prstDash val="solid"/>
+                      <a:miter lim="800000"/>
+                    </a:lnR>
+                    <a:lnT w="12700" cap="flat" cmpd="sng" algn="ctr">
+                      <a:solidFill>
+                        <a:schemeClr val="tx1"/>
+                      </a:solidFill>
+                      <a:prstDash val="solid"/>
+                      <a:miter lim="800000"/>
+                    </a:lnT>
+                    <a:lnB w="12700" cap="flat" cmpd="sng" algn="ctr">
+                      <a:solidFill>
+                        <a:schemeClr val="tx1"/>
+                      </a:solidFill>
+                      <a:prstDash val="solid"/>
+                      <a:miter lim="800000"/>
+                    </a:lnB>
+                  </a:tcPr>
+                </a:tc>
+              </a:tr>
+              <a:tr h="0">
+                <a:tc>
+                  <a:txBody>
+                    <a:bodyPr/>
+                    <a:p>
+                      <a:r>
+                        <a:rPr sz="2400"/>
+                        <a:t>Tools/Technologies</a:t>
+                      </a:r>
+                      <a:endParaRPr sz="2400"/>
+                    </a:p>
+                  </a:txBody>
+                  <a:tcPr marL="0" marR="0" marT="0" marB="0" anchor="ctr" anchorCtr="0">
+                    <a:lnL w="12700" cap="flat" cmpd="sng" algn="ctr">
+                      <a:solidFill>
+                        <a:schemeClr val="tx1"/>
+                      </a:solidFill>
+                      <a:prstDash val="solid"/>
+                      <a:miter lim="800000"/>
+                    </a:lnL>
+                    <a:lnR w="12700" cap="flat" cmpd="sng" algn="ctr">
+                      <a:solidFill>
+                        <a:schemeClr val="tx1"/>
+                      </a:solidFill>
+                      <a:prstDash val="solid"/>
+                      <a:miter lim="800000"/>
+                    </a:lnR>
+                    <a:lnT w="12700" cap="flat" cmpd="sng" algn="ctr">
+                      <a:solidFill>
+                        <a:schemeClr val="tx1"/>
+                      </a:solidFill>
+                      <a:prstDash val="solid"/>
+                      <a:miter lim="800000"/>
+                    </a:lnT>
+                    <a:lnB w="12700" cap="flat" cmpd="sng" algn="ctr">
+                      <a:solidFill>
+                        <a:schemeClr val="tx1"/>
+                      </a:solidFill>
+                      <a:prstDash val="solid"/>
+                      <a:miter lim="800000"/>
+                    </a:lnB>
+                  </a:tcPr>
+                </a:tc>
+                <a:tc>
+                  <a:txBody>
+                    <a:bodyPr/>
+                    <a:p>
+                      <a:r>
+                        <a:rPr sz="2400"/>
+                        <a:t>Data Governance tools, SQL databases</a:t>
+                      </a:r>
+                      <a:endParaRPr sz="2400"/>
+                    </a:p>
+                  </a:txBody>
+                  <a:tcPr marL="0" marR="0" marT="0" marB="0" anchor="ctr" anchorCtr="0">
+                    <a:lnL w="12700" cap="flat" cmpd="sng" algn="ctr">
+                      <a:solidFill>
+                        <a:schemeClr val="tx1"/>
+                      </a:solidFill>
+                      <a:prstDash val="solid"/>
+                      <a:miter lim="800000"/>
+                    </a:lnL>
+                    <a:lnR w="12700" cap="flat" cmpd="sng" algn="ctr">
+                      <a:solidFill>
+                        <a:schemeClr val="tx1"/>
+                      </a:solidFill>
+                      <a:prstDash val="solid"/>
+                      <a:miter lim="800000"/>
+                    </a:lnR>
+                    <a:lnT w="12700" cap="flat" cmpd="sng" algn="ctr">
+                      <a:solidFill>
+                        <a:schemeClr val="tx1"/>
+                      </a:solidFill>
+                      <a:prstDash val="solid"/>
+                      <a:miter lim="800000"/>
+                    </a:lnT>
+                    <a:lnB w="12700" cap="flat" cmpd="sng" algn="ctr">
+                      <a:solidFill>
+                        <a:schemeClr val="tx1"/>
+                      </a:solidFill>
+                      <a:prstDash val="solid"/>
+                      <a:miter lim="800000"/>
+                    </a:lnB>
+                  </a:tcPr>
+                </a:tc>
+                <a:tc>
+                  <a:txBody>
+                    <a:bodyPr/>
+                    <a:p>
+                      <a:r>
+                        <a:rPr sz="2400"/>
+                        <a:t>Hadoop, Spark, NoSQL, Streaming tools</a:t>
+                      </a:r>
+                      <a:endParaRPr sz="2400"/>
+                    </a:p>
+                  </a:txBody>
+                  <a:tcPr marL="0" marR="0" marT="0" marB="0" anchor="ctr" anchorCtr="0">
+                    <a:lnL w="12700" cap="flat" cmpd="sng" algn="ctr">
+                      <a:solidFill>
+                        <a:schemeClr val="tx1"/>
+                      </a:solidFill>
+                      <a:prstDash val="solid"/>
+                      <a:miter lim="800000"/>
+                    </a:lnL>
+                    <a:lnR w="12700" cap="flat" cmpd="sng" algn="ctr">
+                      <a:solidFill>
+                        <a:schemeClr val="tx1"/>
+                      </a:solidFill>
+                      <a:prstDash val="solid"/>
+                      <a:miter lim="800000"/>
+                    </a:lnR>
+                    <a:lnT w="12700" cap="flat" cmpd="sng" algn="ctr">
+                      <a:solidFill>
+                        <a:schemeClr val="tx1"/>
+                      </a:solidFill>
+                      <a:prstDash val="solid"/>
+                      <a:miter lim="800000"/>
+                    </a:lnT>
+                    <a:lnB w="12700" cap="flat" cmpd="sng" algn="ctr">
+                      <a:solidFill>
+                        <a:schemeClr val="tx1"/>
+                      </a:solidFill>
+                      <a:prstDash val="solid"/>
+                      <a:miter lim="800000"/>
+                    </a:lnB>
+                  </a:tcPr>
+                </a:tc>
+                <a:tc>
+                  <a:txBody>
+                    <a:bodyPr/>
+                    <a:p>
+                      <a:r>
+                        <a:rPr sz="2400"/>
+                        <a:t>ETL tools, Airflow, Spark, Cloud services</a:t>
+                      </a:r>
+                      <a:endParaRPr sz="2400"/>
+                    </a:p>
+                  </a:txBody>
+                  <a:tcPr marL="0" marR="0" marT="0" marB="0" anchor="ctr" anchorCtr="0">
+                    <a:lnL w="12700" cap="flat" cmpd="sng" algn="ctr">
+                      <a:solidFill>
+                        <a:schemeClr val="tx1"/>
+                      </a:solidFill>
+                      <a:prstDash val="solid"/>
+                      <a:miter lim="800000"/>
+                    </a:lnL>
+                    <a:lnR w="12700" cap="flat" cmpd="sng" algn="ctr">
+                      <a:solidFill>
+                        <a:schemeClr val="tx1"/>
+                      </a:solidFill>
+                      <a:prstDash val="solid"/>
+                      <a:miter lim="800000"/>
+                    </a:lnR>
+                    <a:lnT w="12700" cap="flat" cmpd="sng" algn="ctr">
+                      <a:solidFill>
+                        <a:schemeClr val="tx1"/>
+                      </a:solidFill>
+                      <a:prstDash val="solid"/>
+                      <a:miter lim="800000"/>
+                    </a:lnT>
+                    <a:lnB w="12700" cap="flat" cmpd="sng" algn="ctr">
+                      <a:solidFill>
+                        <a:schemeClr val="tx1"/>
+                      </a:solidFill>
+                      <a:prstDash val="solid"/>
+                      <a:miter lim="800000"/>
+                    </a:lnB>
+                  </a:tcPr>
+                </a:tc>
+              </a:tr>
+              <a:tr h="0">
+                <a:tc>
+                  <a:txBody>
+                    <a:bodyPr/>
+                    <a:p>
+                      <a:r>
+                        <a:rPr sz="2400"/>
+                        <a:t>Who Uses It</a:t>
+                      </a:r>
+                      <a:endParaRPr sz="2400"/>
+                    </a:p>
+                  </a:txBody>
+                  <a:tcPr marL="0" marR="0" marT="0" marB="0" anchor="ctr" anchorCtr="0">
+                    <a:lnL w="12700" cap="flat" cmpd="sng" algn="ctr">
+                      <a:solidFill>
+                        <a:schemeClr val="tx1"/>
+                      </a:solidFill>
+                      <a:prstDash val="solid"/>
+                      <a:miter lim="800000"/>
+                    </a:lnL>
+                    <a:lnR w="12700" cap="flat" cmpd="sng" algn="ctr">
+                      <a:solidFill>
+                        <a:schemeClr val="tx1"/>
+                      </a:solidFill>
+                      <a:prstDash val="solid"/>
+                      <a:miter lim="800000"/>
+                    </a:lnR>
+                    <a:lnT w="12700" cap="flat" cmpd="sng" algn="ctr">
+                      <a:solidFill>
+                        <a:schemeClr val="tx1"/>
+                      </a:solidFill>
+                      <a:prstDash val="solid"/>
+                      <a:miter lim="800000"/>
+                    </a:lnT>
+                    <a:lnB w="12700" cap="flat" cmpd="sng" algn="ctr">
+                      <a:solidFill>
+                        <a:schemeClr val="tx1"/>
+                      </a:solidFill>
+                      <a:prstDash val="solid"/>
+                      <a:miter lim="800000"/>
+                    </a:lnB>
+                  </a:tcPr>
+                </a:tc>
+                <a:tc>
+                  <a:txBody>
+                    <a:bodyPr/>
+                    <a:p>
+                      <a:r>
+                        <a:rPr sz="2400"/>
+                        <a:t>Data Stewards, Data Managers</a:t>
+                      </a:r>
+                      <a:endParaRPr sz="2400"/>
+                    </a:p>
+                  </a:txBody>
+                  <a:tcPr marL="0" marR="0" marT="0" marB="0" anchor="ctr" anchorCtr="0">
+                    <a:lnL w="12700" cap="flat" cmpd="sng" algn="ctr">
+                      <a:solidFill>
+                        <a:schemeClr val="tx1"/>
+                      </a:solidFill>
+                      <a:prstDash val="solid"/>
+                      <a:miter lim="800000"/>
+                    </a:lnL>
+                    <a:lnR w="12700" cap="flat" cmpd="sng" algn="ctr">
+                      <a:solidFill>
+                        <a:schemeClr val="tx1"/>
+                      </a:solidFill>
+                      <a:prstDash val="solid"/>
+                      <a:miter lim="800000"/>
+                    </a:lnR>
+                    <a:lnT w="12700" cap="flat" cmpd="sng" algn="ctr">
+                      <a:solidFill>
+                        <a:schemeClr val="tx1"/>
+                      </a:solidFill>
+                      <a:prstDash val="solid"/>
+                      <a:miter lim="800000"/>
+                    </a:lnT>
+                    <a:lnB w="12700" cap="flat" cmpd="sng" algn="ctr">
+                      <a:solidFill>
+                        <a:schemeClr val="tx1"/>
+                      </a:solidFill>
+                      <a:prstDash val="solid"/>
+                      <a:miter lim="800000"/>
+                    </a:lnB>
+                  </a:tcPr>
+                </a:tc>
+                <a:tc>
+                  <a:txBody>
+                    <a:bodyPr/>
+                    <a:p>
+                      <a:r>
+                        <a:rPr sz="2400"/>
+                        <a:t>Data Analysts, Data Scientists</a:t>
+                      </a:r>
+                      <a:endParaRPr sz="2400"/>
+                    </a:p>
+                  </a:txBody>
+                  <a:tcPr marL="0" marR="0" marT="0" marB="0" anchor="ctr" anchorCtr="0">
+                    <a:lnL w="12700" cap="flat" cmpd="sng" algn="ctr">
+                      <a:solidFill>
+                        <a:schemeClr val="tx1"/>
+                      </a:solidFill>
+                      <a:prstDash val="solid"/>
+                      <a:miter lim="800000"/>
+                    </a:lnL>
+                    <a:lnR w="12700" cap="flat" cmpd="sng" algn="ctr">
+                      <a:solidFill>
+                        <a:schemeClr val="tx1"/>
+                      </a:solidFill>
+                      <a:prstDash val="solid"/>
+                      <a:miter lim="800000"/>
+                    </a:lnR>
+                    <a:lnT w="12700" cap="flat" cmpd="sng" algn="ctr">
+                      <a:solidFill>
+                        <a:schemeClr val="tx1"/>
+                      </a:solidFill>
+                      <a:prstDash val="solid"/>
+                      <a:miter lim="800000"/>
+                    </a:lnT>
+                    <a:lnB w="12700" cap="flat" cmpd="sng" algn="ctr">
+                      <a:solidFill>
+                        <a:schemeClr val="tx1"/>
+                      </a:solidFill>
+                      <a:prstDash val="solid"/>
+                      <a:miter lim="800000"/>
+                    </a:lnB>
+                  </a:tcPr>
+                </a:tc>
+                <a:tc>
+                  <a:txBody>
+                    <a:bodyPr/>
+                    <a:p>
+                      <a:r>
+                        <a:rPr sz="2400"/>
+                        <a:t>Data Engineers, Software Developers</a:t>
+                      </a:r>
+                      <a:endParaRPr sz="2400"/>
+                    </a:p>
+                  </a:txBody>
+                  <a:tcPr marL="0" marR="0" marT="0" marB="0" anchor="ctr" anchorCtr="0">
+                    <a:lnL w="12700" cap="flat" cmpd="sng" algn="ctr">
+                      <a:solidFill>
+                        <a:schemeClr val="tx1"/>
+                      </a:solidFill>
+                      <a:prstDash val="solid"/>
+                      <a:miter lim="800000"/>
+                    </a:lnL>
+                    <a:lnR w="12700" cap="flat" cmpd="sng" algn="ctr">
+                      <a:solidFill>
+                        <a:schemeClr val="tx1"/>
+                      </a:solidFill>
+                      <a:prstDash val="solid"/>
+                      <a:miter lim="800000"/>
+                    </a:lnR>
+                    <a:lnT w="12700" cap="flat" cmpd="sng" algn="ctr">
+                      <a:solidFill>
+                        <a:schemeClr val="tx1"/>
+                      </a:solidFill>
+                      <a:prstDash val="solid"/>
+                      <a:miter lim="800000"/>
+                    </a:lnT>
+                    <a:lnB w="12700" cap="flat" cmpd="sng" algn="ctr">
+                      <a:solidFill>
+                        <a:schemeClr val="tx1"/>
+                      </a:solidFill>
+                      <a:prstDash val="solid"/>
+                      <a:miter lim="800000"/>
+                    </a:lnB>
+                  </a:tcPr>
+                </a:tc>
+              </a:tr>
+            </a:tbl>
+          </a:graphicData>
+        </a:graphic>
+      </p:graphicFrame>
+    </p:spTree>
+  </p:cSld>
+  <p:clrMapOvr>
+    <a:masterClrMapping/>
+  </p:clrMapOvr>
+</p:sld>
+</file>
+
+<file path=ppt/slides/slide33.xml><?xml version="1.0" encoding="utf-8"?>
+<p:sld xmlns:a="http://schemas.openxmlformats.org/drawingml/2006/main" xmlns:r="http://schemas.openxmlformats.org/officeDocument/2006/relationships" xmlns:p="http://schemas.openxmlformats.org/presentationml/2006/main">
+  <p:cSld>
+    <p:spTree>
+      <p:nvGrpSpPr>
+        <p:cNvPr id="1" name=""/>
+        <p:cNvGrpSpPr/>
+        <p:nvPr/>
+      </p:nvGrpSpPr>
+      <p:grpSpPr/>
+      <p:sp>
+        <p:nvSpPr>
+          <p:cNvPr id="2" name="Title 1"/>
+          <p:cNvSpPr>
+            <a:spLocks noGrp="1"/>
+          </p:cNvSpPr>
+          <p:nvPr>
+            <p:ph type="title"/>
+          </p:nvPr>
+        </p:nvSpPr>
+        <p:spPr/>
+        <p:txBody>
+          <a:bodyPr/>
+          <a:p>
+            <a:r>
               <a:rPr lang="en-US"/>
               <a:t>Questions </a:t>
             </a:r>
@@ -7681,153 +9945,6 @@
           </a:ln>
         </p:spPr>
       </p:pic>
-    </p:spTree>
-  </p:cSld>
-  <p:clrMapOvr>
-    <a:masterClrMapping/>
-  </p:clrMapOvr>
-</p:sld>
-</file>
-
-<file path=ppt/slides/slide3.xml><?xml version="1.0" encoding="utf-8"?>
-<p:sld xmlns:a="http://schemas.openxmlformats.org/drawingml/2006/main" xmlns:r="http://schemas.openxmlformats.org/officeDocument/2006/relationships" xmlns:p="http://schemas.openxmlformats.org/presentationml/2006/main">
-  <p:cSld>
-    <p:spTree>
-      <p:nvGrpSpPr>
-        <p:cNvPr id="1" name=""/>
-        <p:cNvGrpSpPr/>
-        <p:nvPr/>
-      </p:nvGrpSpPr>
-      <p:grpSpPr>
-        <a:xfrm>
-          <a:off x="0" y="0"/>
-          <a:ext cx="0" cy="0"/>
-          <a:chOff x="0" y="0"/>
-          <a:chExt cx="0" cy="0"/>
-        </a:xfrm>
-      </p:grpSpPr>
-      <p:sp>
-        <p:nvSpPr>
-          <p:cNvPr id="2" name="Titel 1"/>
-          <p:cNvSpPr>
-            <a:spLocks noGrp="1"/>
-          </p:cNvSpPr>
-          <p:nvPr>
-            <p:ph type="title"/>
-          </p:nvPr>
-        </p:nvSpPr>
-        <p:spPr/>
-        <p:txBody>
-          <a:bodyPr/>
-          <a:lstStyle/>
-          <a:p>
-            <a:r>
-              <a:rPr lang="de-DE" dirty="0"/>
-              <a:t>Naive Definition</a:t>
-            </a:r>
-            <a:endParaRPr lang="en-US" dirty="0"/>
-          </a:p>
-        </p:txBody>
-      </p:sp>
-      <p:sp>
-        <p:nvSpPr>
-          <p:cNvPr id="3" name="Inhaltsplatzhalter 2"/>
-          <p:cNvSpPr>
-            <a:spLocks noGrp="1"/>
-          </p:cNvSpPr>
-          <p:nvPr>
-            <p:ph idx="1"/>
-          </p:nvPr>
-        </p:nvSpPr>
-        <p:spPr/>
-        <p:txBody>
-          <a:bodyPr>
-            <a:normAutofit fontScale="92500" lnSpcReduction="10000"/>
-          </a:bodyPr>
-          <a:lstStyle/>
-          <a:p>
-            <a:r>
-              <a:rPr lang="en-US" dirty="0"/>
-              <a:t>Naive definition:</a:t>
-            </a:r>
-            <a:endParaRPr lang="en-US" dirty="0"/>
-          </a:p>
-          <a:p>
-            <a:pPr lvl="1"/>
-            <a:r>
-              <a:rPr lang="en-US" dirty="0"/>
-              <a:t>Big data only depends on the data size</a:t>
-            </a:r>
-            <a:endParaRPr lang="en-US" dirty="0"/>
-          </a:p>
-          <a:p>
-            <a:pPr lvl="1"/>
-            <a:r>
-              <a:rPr lang="en-US" dirty="0"/>
-              <a:t>1 Gigabyte? 1 Terabyte? 1 Petabyte?</a:t>
-            </a:r>
-            <a:endParaRPr lang="en-US" dirty="0"/>
-          </a:p>
-          <a:p>
-            <a:endParaRPr lang="en-US" dirty="0"/>
-          </a:p>
-          <a:p>
-            <a:r>
-              <a:rPr lang="en-US" dirty="0"/>
-              <a:t>Naive interpretation misses important aspects</a:t>
-            </a:r>
-            <a:endParaRPr lang="en-US" dirty="0"/>
-          </a:p>
-          <a:p>
-            <a:pPr lvl="1"/>
-            <a:r>
-              <a:rPr lang="en-US" dirty="0"/>
-              <a:t>Time:</a:t>
-            </a:r>
-            <a:endParaRPr lang="en-US" dirty="0"/>
-          </a:p>
-          <a:p>
-            <a:pPr lvl="2"/>
-            <a:r>
-              <a:rPr lang="en-US" dirty="0"/>
-              <a:t>Analyzing 1 Gigabyte of data per day is different from analyzing 1 Gigabyte of data per second</a:t>
-            </a:r>
-            <a:endParaRPr lang="en-US" dirty="0"/>
-          </a:p>
-          <a:p>
-            <a:pPr lvl="1"/>
-            <a:r>
-              <a:rPr lang="en-US" dirty="0"/>
-              <a:t>Diversity:</a:t>
-            </a:r>
-            <a:endParaRPr lang="en-US" dirty="0"/>
-          </a:p>
-          <a:p>
-            <a:pPr lvl="2"/>
-            <a:r>
-              <a:rPr lang="en-US" dirty="0"/>
-              <a:t>Analyzing spread sheets with numeric data is different from analyzing Web pages that contain a mixture of text and images</a:t>
-            </a:r>
-            <a:endParaRPr lang="en-US" dirty="0"/>
-          </a:p>
-          <a:p>
-            <a:pPr lvl="1"/>
-            <a:r>
-              <a:rPr lang="en-US" dirty="0"/>
-              <a:t>Distribution:</a:t>
-            </a:r>
-            <a:endParaRPr lang="en-US" dirty="0"/>
-          </a:p>
-          <a:p>
-            <a:pPr lvl="2"/>
-            <a:r>
-              <a:rPr lang="en-US" dirty="0"/>
-              <a:t>Analyzing data from a single source is different from analyzing data from multiple sources</a:t>
-            </a:r>
-            <a:endParaRPr lang="en-US" dirty="0"/>
-          </a:p>
-        </p:txBody>
-      </p:sp>
     </p:spTree>
   </p:cSld>
   <p:clrMapOvr>

--- a/materials/PPT slides/05 Exploratory analysis of Big Data and Cloud - Big Data.pptx
+++ b/materials/PPT slides/05 Exploratory analysis of Big Data and Cloud - Big Data.pptx
@@ -7911,24 +7911,6 @@
           <a:p>
             <a:endParaRPr lang="en-US" altLang="en-GB"/>
           </a:p>
-          <a:p>
-            <a:endParaRPr lang="en-US" altLang="en-GB"/>
-          </a:p>
-          <a:p>
-            <a:endParaRPr lang="en-US" altLang="en-GB"/>
-          </a:p>
-          <a:p>
-            <a:endParaRPr lang="en-US" altLang="en-GB"/>
-          </a:p>
-          <a:p>
-            <a:endParaRPr lang="en-US" altLang="en-GB"/>
-          </a:p>
-          <a:p>
-            <a:endParaRPr lang="en-US" altLang="en-GB"/>
-          </a:p>
-          <a:p>
-            <a:endParaRPr lang="en-US" altLang="en-GB"/>
-          </a:p>
         </p:txBody>
       </p:sp>
     </p:spTree>
